--- a/Zentorro Home Präsi.pptx
+++ b/Zentorro Home Präsi.pptx
@@ -15650,8 +15650,12 @@
           <a:p>
             <a:pPr rtl="0"/>
             <a:r>
+              <a:rPr lang="de-DE" dirty="0" err="1"/>
+              <a:t>Zentorro</a:t>
+            </a:r>
+            <a:r>
               <a:rPr lang="de-DE" dirty="0"/>
-              <a:t>Titellayout</a:t>
+              <a:t> Home</a:t>
             </a:r>
           </a:p>
         </p:txBody>
@@ -15673,8 +15677,14 @@
           <a:p>
             <a:pPr rtl="0"/>
             <a:r>
-              <a:rPr lang="de-DE"/>
-              <a:t>Untertitel</a:t>
+              <a:rPr lang="de-DE" b="0" i="0" dirty="0">
+                <a:solidFill>
+                  <a:srgbClr val="4A4A4A"/>
+                </a:solidFill>
+                <a:effectLst/>
+                <a:latin typeface="proxima-nova"/>
+              </a:rPr>
+              <a:t>433MHz IoT Smart Home System</a:t>
             </a:r>
             <a:endParaRPr lang="de-DE" dirty="0"/>
           </a:p>

--- a/Zentorro Home Präsi.pptx
+++ b/Zentorro Home Präsi.pptx
@@ -15617,8 +15617,16 @@
 </file>
 
 <file path=ppt/slides/slide1.xml><?xml version="1.0" encoding="utf-8"?>
-<p:sld xmlns:a="http://schemas.openxmlformats.org/drawingml/2006/main" xmlns:r="http://schemas.openxmlformats.org/officeDocument/2006/relationships" xmlns:p="http://schemas.openxmlformats.org/presentationml/2006/main">
+<p:sld xmlns:a="http://schemas.openxmlformats.org/drawingml/2006/main" xmlns:r="http://schemas.openxmlformats.org/officeDocument/2006/relationships" xmlns:p="http://schemas.openxmlformats.org/presentationml/2006/main" showMasterSp="0">
   <p:cSld>
+    <p:bg>
+      <p:bgPr>
+        <a:solidFill>
+          <a:schemeClr val="bg1"/>
+        </a:solidFill>
+        <a:effectLst/>
+      </p:bgPr>
+    </p:bg>
     <p:spTree>
       <p:nvGrpSpPr>
         <p:cNvPr id="1" name=""/>
@@ -15635,33 +15643,6 @@
       </p:grpSpPr>
       <p:sp>
         <p:nvSpPr>
-          <p:cNvPr id="2" name="Titel 1"/>
-          <p:cNvSpPr>
-            <a:spLocks noGrp="1"/>
-          </p:cNvSpPr>
-          <p:nvPr>
-            <p:ph type="ctrTitle"/>
-          </p:nvPr>
-        </p:nvSpPr>
-        <p:spPr/>
-        <p:txBody>
-          <a:bodyPr rtlCol="0"/>
-          <a:lstStyle/>
-          <a:p>
-            <a:pPr rtl="0"/>
-            <a:r>
-              <a:rPr lang="de-DE" dirty="0" err="1"/>
-              <a:t>Zentorro</a:t>
-            </a:r>
-            <a:r>
-              <a:rPr lang="de-DE" dirty="0"/>
-              <a:t> Home</a:t>
-            </a:r>
-          </a:p>
-        </p:txBody>
-      </p:sp>
-      <p:sp>
-        <p:nvSpPr>
           <p:cNvPr id="3" name="Untertitel 2"/>
           <p:cNvSpPr>
             <a:spLocks noGrp="1"/>
@@ -15690,6 +15671,74 @@
           </a:p>
         </p:txBody>
       </p:sp>
+      <p:sp>
+        <p:nvSpPr>
+          <p:cNvPr id="4" name="AutoShape 2" descr="Bild"/>
+          <p:cNvSpPr>
+            <a:spLocks noChangeAspect="1" noChangeArrowheads="1"/>
+          </p:cNvSpPr>
+          <p:nvPr/>
+        </p:nvSpPr>
+        <p:spPr bwMode="auto">
+          <a:xfrm>
+            <a:off x="155575" y="-144463"/>
+            <a:ext cx="304800" cy="304801"/>
+          </a:xfrm>
+          <a:prstGeom prst="rect">
+            <a:avLst/>
+          </a:prstGeom>
+          <a:noFill/>
+          <a:extLst>
+            <a:ext uri="{909E8E84-426E-40DD-AFC4-6F175D3DCCD1}">
+              <a14:hiddenFill xmlns:a14="http://schemas.microsoft.com/office/drawing/2010/main">
+                <a:solidFill>
+                  <a:srgbClr val="FFFFFF"/>
+                </a:solidFill>
+              </a14:hiddenFill>
+            </a:ext>
+          </a:extLst>
+        </p:spPr>
+        <p:txBody>
+          <a:bodyPr vert="horz" wrap="square" lIns="91440" tIns="45720" rIns="91440" bIns="45720" numCol="1" anchor="t" anchorCtr="0" compatLnSpc="1">
+            <a:prstTxWarp prst="textNoShape">
+              <a:avLst/>
+            </a:prstTxWarp>
+          </a:bodyPr>
+          <a:lstStyle/>
+          <a:p>
+            <a:endParaRPr lang="de-DE"/>
+          </a:p>
+        </p:txBody>
+      </p:sp>
+      <p:pic>
+        <p:nvPicPr>
+          <p:cNvPr id="5" name="Grafik 4"/>
+          <p:cNvPicPr>
+            <a:picLocks noChangeAspect="1"/>
+          </p:cNvPicPr>
+          <p:nvPr/>
+        </p:nvPicPr>
+        <p:blipFill rotWithShape="1">
+          <a:blip r:embed="rId3" cstate="print">
+            <a:extLst>
+              <a:ext uri="{28A0092B-C50C-407E-A947-70E740481C1C}">
+                <a14:useLocalDpi xmlns:a14="http://schemas.microsoft.com/office/drawing/2010/main" val="0"/>
+              </a:ext>
+            </a:extLst>
+          </a:blip>
+          <a:srcRect l="28401" t="26877" r="29194" b="38058"/>
+          <a:stretch/>
+        </p:blipFill>
+        <p:spPr>
+          <a:xfrm>
+            <a:off x="2703545" y="918163"/>
+            <a:ext cx="6820769" cy="3987212"/>
+          </a:xfrm>
+          <a:prstGeom prst="rect">
+            <a:avLst/>
+          </a:prstGeom>
+        </p:spPr>
+      </p:pic>
     </p:spTree>
     <p:extLst>
       <p:ext uri="{BB962C8B-B14F-4D97-AF65-F5344CB8AC3E}">
@@ -16608,7 +16657,7 @@
           <a:blip r:embed="rId4">
             <a:extLst>
               <a:ext uri="{96DAC541-7B7A-43D3-8B79-37D633B846F1}">
-                <asvg:svgBlip xmlns:asvg="http://schemas.microsoft.com/office/drawing/2016/SVG/main" r:embed="rId5"/>
+                <asvg:svgBlip xmlns:asvg="http://schemas.microsoft.com/office/drawing/2016/SVG/main" xmlns="" r:embed="rId5"/>
               </a:ext>
             </a:extLst>
           </a:blip>
@@ -16736,7 +16785,7 @@
           <a:blip r:embed="rId6">
             <a:extLst>
               <a:ext uri="{96DAC541-7B7A-43D3-8B79-37D633B846F1}">
-                <asvg:svgBlip xmlns:asvg="http://schemas.microsoft.com/office/drawing/2016/SVG/main" r:embed="rId7"/>
+                <asvg:svgBlip xmlns:asvg="http://schemas.microsoft.com/office/drawing/2016/SVG/main" xmlns="" r:embed="rId7"/>
               </a:ext>
             </a:extLst>
           </a:blip>
@@ -16772,7 +16821,7 @@
           <a:blip r:embed="rId8">
             <a:extLst>
               <a:ext uri="{96DAC541-7B7A-43D3-8B79-37D633B846F1}">
-                <asvg:svgBlip xmlns:asvg="http://schemas.microsoft.com/office/drawing/2016/SVG/main" r:embed="rId9"/>
+                <asvg:svgBlip xmlns:asvg="http://schemas.microsoft.com/office/drawing/2016/SVG/main" xmlns="" r:embed="rId9"/>
               </a:ext>
             </a:extLst>
           </a:blip>
@@ -17585,7 +17634,7 @@
           <a:blip r:embed="rId4">
             <a:extLst>
               <a:ext uri="{96DAC541-7B7A-43D3-8B79-37D633B846F1}">
-                <asvg:svgBlip xmlns:asvg="http://schemas.microsoft.com/office/drawing/2016/SVG/main" r:embed="rId5"/>
+                <asvg:svgBlip xmlns:asvg="http://schemas.microsoft.com/office/drawing/2016/SVG/main" xmlns="" r:embed="rId5"/>
               </a:ext>
             </a:extLst>
           </a:blip>
